--- a/ppt 16-9/0558.迷路的羊.pptx
+++ b/ppt 16-9/0558.迷路的羊.pptx
@@ -5,7 +5,7 @@
     <p:sldMasterId id="2147483648" r:id="rId1"/>
   </p:sldMasterIdLst>
   <p:sldIdLst>
-    <p:sldId id="2313" r:id="rId2"/>
+    <p:sldId id="2314" r:id="rId2"/>
   </p:sldIdLst>
   <p:sldSz cx="12192000" cy="6858000"/>
   <p:notesSz cx="6858000" cy="9144000"/>
@@ -129,7 +129,7 @@
           <p:cNvPr id="2" name="标题 1">
             <a:extLst>
               <a:ext uri="{FF2B5EF4-FFF2-40B4-BE49-F238E27FC236}">
-                <a16:creationId xmlns:a16="http://schemas.microsoft.com/office/drawing/2014/main" id="{7BC91315-178C-BD73-4F47-FCEB58D03DF0}"/>
+                <a16:creationId xmlns:a16="http://schemas.microsoft.com/office/drawing/2014/main" id="{E904877C-CE73-C1A7-83FD-04C8E9F05425}"/>
               </a:ext>
             </a:extLst>
           </p:cNvPr>
@@ -166,7 +166,7 @@
           <p:cNvPr id="3" name="副标题 2">
             <a:extLst>
               <a:ext uri="{FF2B5EF4-FFF2-40B4-BE49-F238E27FC236}">
-                <a16:creationId xmlns:a16="http://schemas.microsoft.com/office/drawing/2014/main" id="{DDC85020-44A0-EDA1-F1B0-842578781709}"/>
+                <a16:creationId xmlns:a16="http://schemas.microsoft.com/office/drawing/2014/main" id="{BF84EAE0-FAFD-A8B4-C608-9DA7F6EA7A40}"/>
               </a:ext>
             </a:extLst>
           </p:cNvPr>
@@ -236,7 +236,7 @@
           <p:cNvPr id="4" name="日期占位符 3">
             <a:extLst>
               <a:ext uri="{FF2B5EF4-FFF2-40B4-BE49-F238E27FC236}">
-                <a16:creationId xmlns:a16="http://schemas.microsoft.com/office/drawing/2014/main" id="{ED422D5A-316C-E129-7A05-F169335E9EBA}"/>
+                <a16:creationId xmlns:a16="http://schemas.microsoft.com/office/drawing/2014/main" id="{FDDA149B-BF21-DD93-F69F-0815E556AE90}"/>
               </a:ext>
             </a:extLst>
           </p:cNvPr>
@@ -252,7 +252,7 @@
           <a:bodyPr/>
           <a:lstStyle/>
           <a:p>
-            <a:fld id="{B3E44323-7E95-43BA-ACFD-443FB00C9773}" type="datetimeFigureOut">
+            <a:fld id="{62BF2C55-65AD-4773-8FA5-ADF0107D621E}" type="datetimeFigureOut">
               <a:rPr lang="zh-CN" altLang="en-US" smtClean="0"/>
               <a:t>2024/3/10</a:t>
             </a:fld>
@@ -265,7 +265,7 @@
           <p:cNvPr id="5" name="页脚占位符 4">
             <a:extLst>
               <a:ext uri="{FF2B5EF4-FFF2-40B4-BE49-F238E27FC236}">
-                <a16:creationId xmlns:a16="http://schemas.microsoft.com/office/drawing/2014/main" id="{5E3C940C-39DE-D19C-285A-32B1DC8251E3}"/>
+                <a16:creationId xmlns:a16="http://schemas.microsoft.com/office/drawing/2014/main" id="{6FCF072B-3635-50AD-A03D-400297AFFAAF}"/>
               </a:ext>
             </a:extLst>
           </p:cNvPr>
@@ -290,7 +290,7 @@
           <p:cNvPr id="6" name="灯片编号占位符 5">
             <a:extLst>
               <a:ext uri="{FF2B5EF4-FFF2-40B4-BE49-F238E27FC236}">
-                <a16:creationId xmlns:a16="http://schemas.microsoft.com/office/drawing/2014/main" id="{FEBE6A99-B3D5-75F8-DA84-95DADDBA7E40}"/>
+                <a16:creationId xmlns:a16="http://schemas.microsoft.com/office/drawing/2014/main" id="{12655EE0-CFA3-A3B2-E93E-2CB13EBD30FA}"/>
               </a:ext>
             </a:extLst>
           </p:cNvPr>
@@ -306,7 +306,7 @@
           <a:bodyPr/>
           <a:lstStyle/>
           <a:p>
-            <a:fld id="{156874FE-B834-4AE6-891E-B8B144C858BA}" type="slidenum">
+            <a:fld id="{BE100580-3F82-4980-89FF-B07B5782A661}" type="slidenum">
               <a:rPr lang="zh-CN" altLang="en-US" smtClean="0"/>
               <a:t>‹#›</a:t>
             </a:fld>
@@ -317,7 +317,7 @@
     </p:spTree>
     <p:extLst>
       <p:ext uri="{BB962C8B-B14F-4D97-AF65-F5344CB8AC3E}">
-        <p14:creationId xmlns:p14="http://schemas.microsoft.com/office/powerpoint/2010/main" val="2108995605"/>
+        <p14:creationId xmlns:p14="http://schemas.microsoft.com/office/powerpoint/2010/main" val="3500538445"/>
       </p:ext>
     </p:extLst>
   </p:cSld>
@@ -349,7 +349,7 @@
           <p:cNvPr id="2" name="标题 1">
             <a:extLst>
               <a:ext uri="{FF2B5EF4-FFF2-40B4-BE49-F238E27FC236}">
-                <a16:creationId xmlns:a16="http://schemas.microsoft.com/office/drawing/2014/main" id="{D094C2E6-F850-1936-DEFA-902704E6B062}"/>
+                <a16:creationId xmlns:a16="http://schemas.microsoft.com/office/drawing/2014/main" id="{0EC63E67-D94F-F21C-C596-840DB08F3835}"/>
               </a:ext>
             </a:extLst>
           </p:cNvPr>
@@ -377,7 +377,7 @@
           <p:cNvPr id="3" name="竖排文字占位符 2">
             <a:extLst>
               <a:ext uri="{FF2B5EF4-FFF2-40B4-BE49-F238E27FC236}">
-                <a16:creationId xmlns:a16="http://schemas.microsoft.com/office/drawing/2014/main" id="{95DDFCB6-09A1-4322-323A-030E9795A1A6}"/>
+                <a16:creationId xmlns:a16="http://schemas.microsoft.com/office/drawing/2014/main" id="{F2DF4EC5-1963-B72E-C0F0-AE9AAF15BA8B}"/>
               </a:ext>
             </a:extLst>
           </p:cNvPr>
@@ -434,7 +434,7 @@
           <p:cNvPr id="4" name="日期占位符 3">
             <a:extLst>
               <a:ext uri="{FF2B5EF4-FFF2-40B4-BE49-F238E27FC236}">
-                <a16:creationId xmlns:a16="http://schemas.microsoft.com/office/drawing/2014/main" id="{99D37230-C27F-66CD-485E-0EBBC1330C4D}"/>
+                <a16:creationId xmlns:a16="http://schemas.microsoft.com/office/drawing/2014/main" id="{F8B45271-0D95-CDBA-FD7E-0350AF60D1F3}"/>
               </a:ext>
             </a:extLst>
           </p:cNvPr>
@@ -450,7 +450,7 @@
           <a:bodyPr/>
           <a:lstStyle/>
           <a:p>
-            <a:fld id="{B3E44323-7E95-43BA-ACFD-443FB00C9773}" type="datetimeFigureOut">
+            <a:fld id="{62BF2C55-65AD-4773-8FA5-ADF0107D621E}" type="datetimeFigureOut">
               <a:rPr lang="zh-CN" altLang="en-US" smtClean="0"/>
               <a:t>2024/3/10</a:t>
             </a:fld>
@@ -463,7 +463,7 @@
           <p:cNvPr id="5" name="页脚占位符 4">
             <a:extLst>
               <a:ext uri="{FF2B5EF4-FFF2-40B4-BE49-F238E27FC236}">
-                <a16:creationId xmlns:a16="http://schemas.microsoft.com/office/drawing/2014/main" id="{D328F783-235F-4104-242A-B06800C14EFC}"/>
+                <a16:creationId xmlns:a16="http://schemas.microsoft.com/office/drawing/2014/main" id="{41EF743D-20DC-F807-D12B-2598836A7FC0}"/>
               </a:ext>
             </a:extLst>
           </p:cNvPr>
@@ -488,7 +488,7 @@
           <p:cNvPr id="6" name="灯片编号占位符 5">
             <a:extLst>
               <a:ext uri="{FF2B5EF4-FFF2-40B4-BE49-F238E27FC236}">
-                <a16:creationId xmlns:a16="http://schemas.microsoft.com/office/drawing/2014/main" id="{127B250D-13A2-FB6F-8E38-FBAA2B922F9B}"/>
+                <a16:creationId xmlns:a16="http://schemas.microsoft.com/office/drawing/2014/main" id="{EB2D212A-4D18-6166-E004-E9F535595187}"/>
               </a:ext>
             </a:extLst>
           </p:cNvPr>
@@ -504,7 +504,7 @@
           <a:bodyPr/>
           <a:lstStyle/>
           <a:p>
-            <a:fld id="{156874FE-B834-4AE6-891E-B8B144C858BA}" type="slidenum">
+            <a:fld id="{BE100580-3F82-4980-89FF-B07B5782A661}" type="slidenum">
               <a:rPr lang="zh-CN" altLang="en-US" smtClean="0"/>
               <a:t>‹#›</a:t>
             </a:fld>
@@ -515,7 +515,7 @@
     </p:spTree>
     <p:extLst>
       <p:ext uri="{BB962C8B-B14F-4D97-AF65-F5344CB8AC3E}">
-        <p14:creationId xmlns:p14="http://schemas.microsoft.com/office/powerpoint/2010/main" val="11913475"/>
+        <p14:creationId xmlns:p14="http://schemas.microsoft.com/office/powerpoint/2010/main" val="92145715"/>
       </p:ext>
     </p:extLst>
   </p:cSld>
@@ -547,7 +547,7 @@
           <p:cNvPr id="2" name="竖排标题 1">
             <a:extLst>
               <a:ext uri="{FF2B5EF4-FFF2-40B4-BE49-F238E27FC236}">
-                <a16:creationId xmlns:a16="http://schemas.microsoft.com/office/drawing/2014/main" id="{82578D61-18AD-25EF-E9DB-4303C81A378F}"/>
+                <a16:creationId xmlns:a16="http://schemas.microsoft.com/office/drawing/2014/main" id="{03AB673C-ED56-17D3-2329-01857D457F66}"/>
               </a:ext>
             </a:extLst>
           </p:cNvPr>
@@ -580,7 +580,7 @@
           <p:cNvPr id="3" name="竖排文字占位符 2">
             <a:extLst>
               <a:ext uri="{FF2B5EF4-FFF2-40B4-BE49-F238E27FC236}">
-                <a16:creationId xmlns:a16="http://schemas.microsoft.com/office/drawing/2014/main" id="{A9045087-A4C2-88AC-6442-63B09358BE1E}"/>
+                <a16:creationId xmlns:a16="http://schemas.microsoft.com/office/drawing/2014/main" id="{821C7560-180F-C2B9-C471-DB7C269A8F33}"/>
               </a:ext>
             </a:extLst>
           </p:cNvPr>
@@ -642,7 +642,7 @@
           <p:cNvPr id="4" name="日期占位符 3">
             <a:extLst>
               <a:ext uri="{FF2B5EF4-FFF2-40B4-BE49-F238E27FC236}">
-                <a16:creationId xmlns:a16="http://schemas.microsoft.com/office/drawing/2014/main" id="{FF0F477A-3762-5FDE-B77F-B3087B9D1547}"/>
+                <a16:creationId xmlns:a16="http://schemas.microsoft.com/office/drawing/2014/main" id="{C28F56D8-C2CF-FD57-8FD6-97A931CA64C8}"/>
               </a:ext>
             </a:extLst>
           </p:cNvPr>
@@ -658,7 +658,7 @@
           <a:bodyPr/>
           <a:lstStyle/>
           <a:p>
-            <a:fld id="{B3E44323-7E95-43BA-ACFD-443FB00C9773}" type="datetimeFigureOut">
+            <a:fld id="{62BF2C55-65AD-4773-8FA5-ADF0107D621E}" type="datetimeFigureOut">
               <a:rPr lang="zh-CN" altLang="en-US" smtClean="0"/>
               <a:t>2024/3/10</a:t>
             </a:fld>
@@ -671,7 +671,7 @@
           <p:cNvPr id="5" name="页脚占位符 4">
             <a:extLst>
               <a:ext uri="{FF2B5EF4-FFF2-40B4-BE49-F238E27FC236}">
-                <a16:creationId xmlns:a16="http://schemas.microsoft.com/office/drawing/2014/main" id="{0185B986-30EC-FDF8-2CF4-7CBB635D5144}"/>
+                <a16:creationId xmlns:a16="http://schemas.microsoft.com/office/drawing/2014/main" id="{959FD8EF-8E06-716F-07C2-AC9EA5993CC3}"/>
               </a:ext>
             </a:extLst>
           </p:cNvPr>
@@ -696,7 +696,7 @@
           <p:cNvPr id="6" name="灯片编号占位符 5">
             <a:extLst>
               <a:ext uri="{FF2B5EF4-FFF2-40B4-BE49-F238E27FC236}">
-                <a16:creationId xmlns:a16="http://schemas.microsoft.com/office/drawing/2014/main" id="{B3F5105B-9750-2099-773E-9AD191577156}"/>
+                <a16:creationId xmlns:a16="http://schemas.microsoft.com/office/drawing/2014/main" id="{6019E5E0-4E65-91F9-4725-FB148BBAA2CB}"/>
               </a:ext>
             </a:extLst>
           </p:cNvPr>
@@ -712,7 +712,7 @@
           <a:bodyPr/>
           <a:lstStyle/>
           <a:p>
-            <a:fld id="{156874FE-B834-4AE6-891E-B8B144C858BA}" type="slidenum">
+            <a:fld id="{BE100580-3F82-4980-89FF-B07B5782A661}" type="slidenum">
               <a:rPr lang="zh-CN" altLang="en-US" smtClean="0"/>
               <a:t>‹#›</a:t>
             </a:fld>
@@ -723,7 +723,7 @@
     </p:spTree>
     <p:extLst>
       <p:ext uri="{BB962C8B-B14F-4D97-AF65-F5344CB8AC3E}">
-        <p14:creationId xmlns:p14="http://schemas.microsoft.com/office/powerpoint/2010/main" val="625458905"/>
+        <p14:creationId xmlns:p14="http://schemas.microsoft.com/office/powerpoint/2010/main" val="3797280785"/>
       </p:ext>
     </p:extLst>
   </p:cSld>
@@ -755,7 +755,7 @@
           <p:cNvPr id="2" name="标题 1">
             <a:extLst>
               <a:ext uri="{FF2B5EF4-FFF2-40B4-BE49-F238E27FC236}">
-                <a16:creationId xmlns:a16="http://schemas.microsoft.com/office/drawing/2014/main" id="{7BA8F1B0-A1BF-7A77-F0E1-ED2E8D92598E}"/>
+                <a16:creationId xmlns:a16="http://schemas.microsoft.com/office/drawing/2014/main" id="{9FC89FFF-57CE-B342-4CA6-DA0145EEBAD7}"/>
               </a:ext>
             </a:extLst>
           </p:cNvPr>
@@ -783,7 +783,7 @@
           <p:cNvPr id="3" name="内容占位符 2">
             <a:extLst>
               <a:ext uri="{FF2B5EF4-FFF2-40B4-BE49-F238E27FC236}">
-                <a16:creationId xmlns:a16="http://schemas.microsoft.com/office/drawing/2014/main" id="{C3054633-94B4-01CA-E042-A4D4755FB345}"/>
+                <a16:creationId xmlns:a16="http://schemas.microsoft.com/office/drawing/2014/main" id="{BAF609F1-E941-9F3A-AFD9-DF8E771AD5F5}"/>
               </a:ext>
             </a:extLst>
           </p:cNvPr>
@@ -840,7 +840,7 @@
           <p:cNvPr id="4" name="日期占位符 3">
             <a:extLst>
               <a:ext uri="{FF2B5EF4-FFF2-40B4-BE49-F238E27FC236}">
-                <a16:creationId xmlns:a16="http://schemas.microsoft.com/office/drawing/2014/main" id="{9A3FAC5F-AB44-BF7C-88D3-EC750F3B68F2}"/>
+                <a16:creationId xmlns:a16="http://schemas.microsoft.com/office/drawing/2014/main" id="{A9482383-E396-DCD7-E291-1E55E36A071F}"/>
               </a:ext>
             </a:extLst>
           </p:cNvPr>
@@ -856,7 +856,7 @@
           <a:bodyPr/>
           <a:lstStyle/>
           <a:p>
-            <a:fld id="{B3E44323-7E95-43BA-ACFD-443FB00C9773}" type="datetimeFigureOut">
+            <a:fld id="{62BF2C55-65AD-4773-8FA5-ADF0107D621E}" type="datetimeFigureOut">
               <a:rPr lang="zh-CN" altLang="en-US" smtClean="0"/>
               <a:t>2024/3/10</a:t>
             </a:fld>
@@ -869,7 +869,7 @@
           <p:cNvPr id="5" name="页脚占位符 4">
             <a:extLst>
               <a:ext uri="{FF2B5EF4-FFF2-40B4-BE49-F238E27FC236}">
-                <a16:creationId xmlns:a16="http://schemas.microsoft.com/office/drawing/2014/main" id="{9C6446D5-8AE7-8360-9352-3EBCDA8B8CEA}"/>
+                <a16:creationId xmlns:a16="http://schemas.microsoft.com/office/drawing/2014/main" id="{5BE24BAE-6021-166A-B8CB-2975FB31B449}"/>
               </a:ext>
             </a:extLst>
           </p:cNvPr>
@@ -894,7 +894,7 @@
           <p:cNvPr id="6" name="灯片编号占位符 5">
             <a:extLst>
               <a:ext uri="{FF2B5EF4-FFF2-40B4-BE49-F238E27FC236}">
-                <a16:creationId xmlns:a16="http://schemas.microsoft.com/office/drawing/2014/main" id="{33BF1B04-C345-6639-F8BE-45CA5B49F4DC}"/>
+                <a16:creationId xmlns:a16="http://schemas.microsoft.com/office/drawing/2014/main" id="{4A6DEE17-D1B6-25E9-DAEB-07CA955F8D86}"/>
               </a:ext>
             </a:extLst>
           </p:cNvPr>
@@ -910,7 +910,7 @@
           <a:bodyPr/>
           <a:lstStyle/>
           <a:p>
-            <a:fld id="{156874FE-B834-4AE6-891E-B8B144C858BA}" type="slidenum">
+            <a:fld id="{BE100580-3F82-4980-89FF-B07B5782A661}" type="slidenum">
               <a:rPr lang="zh-CN" altLang="en-US" smtClean="0"/>
               <a:t>‹#›</a:t>
             </a:fld>
@@ -921,7 +921,7 @@
     </p:spTree>
     <p:extLst>
       <p:ext uri="{BB962C8B-B14F-4D97-AF65-F5344CB8AC3E}">
-        <p14:creationId xmlns:p14="http://schemas.microsoft.com/office/powerpoint/2010/main" val="1728695946"/>
+        <p14:creationId xmlns:p14="http://schemas.microsoft.com/office/powerpoint/2010/main" val="3086451219"/>
       </p:ext>
     </p:extLst>
   </p:cSld>
@@ -953,7 +953,7 @@
           <p:cNvPr id="2" name="标题 1">
             <a:extLst>
               <a:ext uri="{FF2B5EF4-FFF2-40B4-BE49-F238E27FC236}">
-                <a16:creationId xmlns:a16="http://schemas.microsoft.com/office/drawing/2014/main" id="{7DDF0C89-A339-13F6-C33D-FDF4B4A21140}"/>
+                <a16:creationId xmlns:a16="http://schemas.microsoft.com/office/drawing/2014/main" id="{CD6BD896-44D7-132B-DF4A-FAF36651043F}"/>
               </a:ext>
             </a:extLst>
           </p:cNvPr>
@@ -990,7 +990,7 @@
           <p:cNvPr id="3" name="文本占位符 2">
             <a:extLst>
               <a:ext uri="{FF2B5EF4-FFF2-40B4-BE49-F238E27FC236}">
-                <a16:creationId xmlns:a16="http://schemas.microsoft.com/office/drawing/2014/main" id="{DD945063-D15B-76F4-E245-4A0CD8FC8424}"/>
+                <a16:creationId xmlns:a16="http://schemas.microsoft.com/office/drawing/2014/main" id="{DC780D46-6F99-D98B-4630-FD11BFC5648F}"/>
               </a:ext>
             </a:extLst>
           </p:cNvPr>
@@ -1115,7 +1115,7 @@
           <p:cNvPr id="4" name="日期占位符 3">
             <a:extLst>
               <a:ext uri="{FF2B5EF4-FFF2-40B4-BE49-F238E27FC236}">
-                <a16:creationId xmlns:a16="http://schemas.microsoft.com/office/drawing/2014/main" id="{6D555212-7930-E6C6-FEA5-8E86CFE8346F}"/>
+                <a16:creationId xmlns:a16="http://schemas.microsoft.com/office/drawing/2014/main" id="{C6E17163-D01F-5233-0086-6DDECAFA8D29}"/>
               </a:ext>
             </a:extLst>
           </p:cNvPr>
@@ -1131,7 +1131,7 @@
           <a:bodyPr/>
           <a:lstStyle/>
           <a:p>
-            <a:fld id="{B3E44323-7E95-43BA-ACFD-443FB00C9773}" type="datetimeFigureOut">
+            <a:fld id="{62BF2C55-65AD-4773-8FA5-ADF0107D621E}" type="datetimeFigureOut">
               <a:rPr lang="zh-CN" altLang="en-US" smtClean="0"/>
               <a:t>2024/3/10</a:t>
             </a:fld>
@@ -1144,7 +1144,7 @@
           <p:cNvPr id="5" name="页脚占位符 4">
             <a:extLst>
               <a:ext uri="{FF2B5EF4-FFF2-40B4-BE49-F238E27FC236}">
-                <a16:creationId xmlns:a16="http://schemas.microsoft.com/office/drawing/2014/main" id="{6E15A366-8342-EFE0-FAE6-99F9FCB121A4}"/>
+                <a16:creationId xmlns:a16="http://schemas.microsoft.com/office/drawing/2014/main" id="{FCBADB21-B0A7-978C-ED11-AAB693D90C3B}"/>
               </a:ext>
             </a:extLst>
           </p:cNvPr>
@@ -1169,7 +1169,7 @@
           <p:cNvPr id="6" name="灯片编号占位符 5">
             <a:extLst>
               <a:ext uri="{FF2B5EF4-FFF2-40B4-BE49-F238E27FC236}">
-                <a16:creationId xmlns:a16="http://schemas.microsoft.com/office/drawing/2014/main" id="{CCC48274-FE2E-67AD-8322-0A2EA89015AA}"/>
+                <a16:creationId xmlns:a16="http://schemas.microsoft.com/office/drawing/2014/main" id="{D385B57F-AD2E-9AD7-D514-7EA6DD354AC0}"/>
               </a:ext>
             </a:extLst>
           </p:cNvPr>
@@ -1185,7 +1185,7 @@
           <a:bodyPr/>
           <a:lstStyle/>
           <a:p>
-            <a:fld id="{156874FE-B834-4AE6-891E-B8B144C858BA}" type="slidenum">
+            <a:fld id="{BE100580-3F82-4980-89FF-B07B5782A661}" type="slidenum">
               <a:rPr lang="zh-CN" altLang="en-US" smtClean="0"/>
               <a:t>‹#›</a:t>
             </a:fld>
@@ -1196,7 +1196,7 @@
     </p:spTree>
     <p:extLst>
       <p:ext uri="{BB962C8B-B14F-4D97-AF65-F5344CB8AC3E}">
-        <p14:creationId xmlns:p14="http://schemas.microsoft.com/office/powerpoint/2010/main" val="4256886460"/>
+        <p14:creationId xmlns:p14="http://schemas.microsoft.com/office/powerpoint/2010/main" val="1859271600"/>
       </p:ext>
     </p:extLst>
   </p:cSld>
@@ -1228,7 +1228,7 @@
           <p:cNvPr id="2" name="标题 1">
             <a:extLst>
               <a:ext uri="{FF2B5EF4-FFF2-40B4-BE49-F238E27FC236}">
-                <a16:creationId xmlns:a16="http://schemas.microsoft.com/office/drawing/2014/main" id="{60E63308-D8B7-8A5D-438B-CC7156B9AD1A}"/>
+                <a16:creationId xmlns:a16="http://schemas.microsoft.com/office/drawing/2014/main" id="{FD9F5EE5-D612-0F44-148C-0676FB8D4270}"/>
               </a:ext>
             </a:extLst>
           </p:cNvPr>
@@ -1256,7 +1256,7 @@
           <p:cNvPr id="3" name="内容占位符 2">
             <a:extLst>
               <a:ext uri="{FF2B5EF4-FFF2-40B4-BE49-F238E27FC236}">
-                <a16:creationId xmlns:a16="http://schemas.microsoft.com/office/drawing/2014/main" id="{371A07A8-0450-E6C8-F3E6-8050597BB354}"/>
+                <a16:creationId xmlns:a16="http://schemas.microsoft.com/office/drawing/2014/main" id="{5F06287B-21CA-22B0-B56B-8FECB7C588B6}"/>
               </a:ext>
             </a:extLst>
           </p:cNvPr>
@@ -1318,7 +1318,7 @@
           <p:cNvPr id="4" name="内容占位符 3">
             <a:extLst>
               <a:ext uri="{FF2B5EF4-FFF2-40B4-BE49-F238E27FC236}">
-                <a16:creationId xmlns:a16="http://schemas.microsoft.com/office/drawing/2014/main" id="{81E4185C-4E39-1E9A-8920-BEAAA9EA1C15}"/>
+                <a16:creationId xmlns:a16="http://schemas.microsoft.com/office/drawing/2014/main" id="{4745596B-41F8-978C-82D1-12D2301A243D}"/>
               </a:ext>
             </a:extLst>
           </p:cNvPr>
@@ -1380,7 +1380,7 @@
           <p:cNvPr id="5" name="日期占位符 4">
             <a:extLst>
               <a:ext uri="{FF2B5EF4-FFF2-40B4-BE49-F238E27FC236}">
-                <a16:creationId xmlns:a16="http://schemas.microsoft.com/office/drawing/2014/main" id="{3A99EED4-3585-A0C6-CC3F-1BEC1DDE587E}"/>
+                <a16:creationId xmlns:a16="http://schemas.microsoft.com/office/drawing/2014/main" id="{67559D87-B69E-B070-626E-E9FF0BE121D6}"/>
               </a:ext>
             </a:extLst>
           </p:cNvPr>
@@ -1396,7 +1396,7 @@
           <a:bodyPr/>
           <a:lstStyle/>
           <a:p>
-            <a:fld id="{B3E44323-7E95-43BA-ACFD-443FB00C9773}" type="datetimeFigureOut">
+            <a:fld id="{62BF2C55-65AD-4773-8FA5-ADF0107D621E}" type="datetimeFigureOut">
               <a:rPr lang="zh-CN" altLang="en-US" smtClean="0"/>
               <a:t>2024/3/10</a:t>
             </a:fld>
@@ -1409,7 +1409,7 @@
           <p:cNvPr id="6" name="页脚占位符 5">
             <a:extLst>
               <a:ext uri="{FF2B5EF4-FFF2-40B4-BE49-F238E27FC236}">
-                <a16:creationId xmlns:a16="http://schemas.microsoft.com/office/drawing/2014/main" id="{B21C9C11-500F-031B-7DC0-E26A02E93E14}"/>
+                <a16:creationId xmlns:a16="http://schemas.microsoft.com/office/drawing/2014/main" id="{30886C32-B07D-C78A-BC23-FD82C713B4DD}"/>
               </a:ext>
             </a:extLst>
           </p:cNvPr>
@@ -1434,7 +1434,7 @@
           <p:cNvPr id="7" name="灯片编号占位符 6">
             <a:extLst>
               <a:ext uri="{FF2B5EF4-FFF2-40B4-BE49-F238E27FC236}">
-                <a16:creationId xmlns:a16="http://schemas.microsoft.com/office/drawing/2014/main" id="{FBB2E262-5AE7-5DB5-DCFC-E706C0260ED8}"/>
+                <a16:creationId xmlns:a16="http://schemas.microsoft.com/office/drawing/2014/main" id="{F18CB358-1DC3-BCD3-8E27-DFCC960DF7A3}"/>
               </a:ext>
             </a:extLst>
           </p:cNvPr>
@@ -1450,7 +1450,7 @@
           <a:bodyPr/>
           <a:lstStyle/>
           <a:p>
-            <a:fld id="{156874FE-B834-4AE6-891E-B8B144C858BA}" type="slidenum">
+            <a:fld id="{BE100580-3F82-4980-89FF-B07B5782A661}" type="slidenum">
               <a:rPr lang="zh-CN" altLang="en-US" smtClean="0"/>
               <a:t>‹#›</a:t>
             </a:fld>
@@ -1461,7 +1461,7 @@
     </p:spTree>
     <p:extLst>
       <p:ext uri="{BB962C8B-B14F-4D97-AF65-F5344CB8AC3E}">
-        <p14:creationId xmlns:p14="http://schemas.microsoft.com/office/powerpoint/2010/main" val="3421133892"/>
+        <p14:creationId xmlns:p14="http://schemas.microsoft.com/office/powerpoint/2010/main" val="1244849014"/>
       </p:ext>
     </p:extLst>
   </p:cSld>
@@ -1493,7 +1493,7 @@
           <p:cNvPr id="2" name="标题 1">
             <a:extLst>
               <a:ext uri="{FF2B5EF4-FFF2-40B4-BE49-F238E27FC236}">
-                <a16:creationId xmlns:a16="http://schemas.microsoft.com/office/drawing/2014/main" id="{CF06F3CB-CE09-D2B3-CE62-362B1D7FC083}"/>
+                <a16:creationId xmlns:a16="http://schemas.microsoft.com/office/drawing/2014/main" id="{8278EC0E-9DB8-244A-9750-79863040663B}"/>
               </a:ext>
             </a:extLst>
           </p:cNvPr>
@@ -1526,7 +1526,7 @@
           <p:cNvPr id="3" name="文本占位符 2">
             <a:extLst>
               <a:ext uri="{FF2B5EF4-FFF2-40B4-BE49-F238E27FC236}">
-                <a16:creationId xmlns:a16="http://schemas.microsoft.com/office/drawing/2014/main" id="{3AD3F39D-E8DB-1398-DE15-6CFA07A1E884}"/>
+                <a16:creationId xmlns:a16="http://schemas.microsoft.com/office/drawing/2014/main" id="{332A2E7E-B697-A517-A3AA-5A937FF194BB}"/>
               </a:ext>
             </a:extLst>
           </p:cNvPr>
@@ -1597,7 +1597,7 @@
           <p:cNvPr id="4" name="内容占位符 3">
             <a:extLst>
               <a:ext uri="{FF2B5EF4-FFF2-40B4-BE49-F238E27FC236}">
-                <a16:creationId xmlns:a16="http://schemas.microsoft.com/office/drawing/2014/main" id="{EA56C69D-0CCB-799F-2442-A0F927455049}"/>
+                <a16:creationId xmlns:a16="http://schemas.microsoft.com/office/drawing/2014/main" id="{8B2DE3D5-8788-DD52-B78B-6FCD282923DF}"/>
               </a:ext>
             </a:extLst>
           </p:cNvPr>
@@ -1659,7 +1659,7 @@
           <p:cNvPr id="5" name="文本占位符 4">
             <a:extLst>
               <a:ext uri="{FF2B5EF4-FFF2-40B4-BE49-F238E27FC236}">
-                <a16:creationId xmlns:a16="http://schemas.microsoft.com/office/drawing/2014/main" id="{4A1B7AE8-B71F-6A87-73F4-E2EB49997A93}"/>
+                <a16:creationId xmlns:a16="http://schemas.microsoft.com/office/drawing/2014/main" id="{5B5BCF63-924E-19C2-D7FB-258091253194}"/>
               </a:ext>
             </a:extLst>
           </p:cNvPr>
@@ -1730,7 +1730,7 @@
           <p:cNvPr id="6" name="内容占位符 5">
             <a:extLst>
               <a:ext uri="{FF2B5EF4-FFF2-40B4-BE49-F238E27FC236}">
-                <a16:creationId xmlns:a16="http://schemas.microsoft.com/office/drawing/2014/main" id="{461F5BDC-905A-6A71-5F53-58A064DC4737}"/>
+                <a16:creationId xmlns:a16="http://schemas.microsoft.com/office/drawing/2014/main" id="{A918A3CE-05E6-BC09-5B17-6D180367488B}"/>
               </a:ext>
             </a:extLst>
           </p:cNvPr>
@@ -1792,7 +1792,7 @@
           <p:cNvPr id="7" name="日期占位符 6">
             <a:extLst>
               <a:ext uri="{FF2B5EF4-FFF2-40B4-BE49-F238E27FC236}">
-                <a16:creationId xmlns:a16="http://schemas.microsoft.com/office/drawing/2014/main" id="{A218A085-7BEF-3146-6361-4CA235494C02}"/>
+                <a16:creationId xmlns:a16="http://schemas.microsoft.com/office/drawing/2014/main" id="{98AF240F-53A6-9359-FBAE-BD7AFAF7E64C}"/>
               </a:ext>
             </a:extLst>
           </p:cNvPr>
@@ -1808,7 +1808,7 @@
           <a:bodyPr/>
           <a:lstStyle/>
           <a:p>
-            <a:fld id="{B3E44323-7E95-43BA-ACFD-443FB00C9773}" type="datetimeFigureOut">
+            <a:fld id="{62BF2C55-65AD-4773-8FA5-ADF0107D621E}" type="datetimeFigureOut">
               <a:rPr lang="zh-CN" altLang="en-US" smtClean="0"/>
               <a:t>2024/3/10</a:t>
             </a:fld>
@@ -1821,7 +1821,7 @@
           <p:cNvPr id="8" name="页脚占位符 7">
             <a:extLst>
               <a:ext uri="{FF2B5EF4-FFF2-40B4-BE49-F238E27FC236}">
-                <a16:creationId xmlns:a16="http://schemas.microsoft.com/office/drawing/2014/main" id="{C01B95C9-9566-F1F3-4C4B-A349562496B7}"/>
+                <a16:creationId xmlns:a16="http://schemas.microsoft.com/office/drawing/2014/main" id="{681F5679-D922-305E-B894-E1A1A83DCC79}"/>
               </a:ext>
             </a:extLst>
           </p:cNvPr>
@@ -1846,7 +1846,7 @@
           <p:cNvPr id="9" name="灯片编号占位符 8">
             <a:extLst>
               <a:ext uri="{FF2B5EF4-FFF2-40B4-BE49-F238E27FC236}">
-                <a16:creationId xmlns:a16="http://schemas.microsoft.com/office/drawing/2014/main" id="{60C90D37-D030-1B37-5EC6-7E87D9563B68}"/>
+                <a16:creationId xmlns:a16="http://schemas.microsoft.com/office/drawing/2014/main" id="{AFCA3605-2BC2-8260-FA43-818E709A039C}"/>
               </a:ext>
             </a:extLst>
           </p:cNvPr>
@@ -1862,7 +1862,7 @@
           <a:bodyPr/>
           <a:lstStyle/>
           <a:p>
-            <a:fld id="{156874FE-B834-4AE6-891E-B8B144C858BA}" type="slidenum">
+            <a:fld id="{BE100580-3F82-4980-89FF-B07B5782A661}" type="slidenum">
               <a:rPr lang="zh-CN" altLang="en-US" smtClean="0"/>
               <a:t>‹#›</a:t>
             </a:fld>
@@ -1873,7 +1873,7 @@
     </p:spTree>
     <p:extLst>
       <p:ext uri="{BB962C8B-B14F-4D97-AF65-F5344CB8AC3E}">
-        <p14:creationId xmlns:p14="http://schemas.microsoft.com/office/powerpoint/2010/main" val="3739175872"/>
+        <p14:creationId xmlns:p14="http://schemas.microsoft.com/office/powerpoint/2010/main" val="1710940500"/>
       </p:ext>
     </p:extLst>
   </p:cSld>
@@ -1905,7 +1905,7 @@
           <p:cNvPr id="2" name="标题 1">
             <a:extLst>
               <a:ext uri="{FF2B5EF4-FFF2-40B4-BE49-F238E27FC236}">
-                <a16:creationId xmlns:a16="http://schemas.microsoft.com/office/drawing/2014/main" id="{5E7F72A7-DB70-6D29-66BC-B18B7967729C}"/>
+                <a16:creationId xmlns:a16="http://schemas.microsoft.com/office/drawing/2014/main" id="{DA327161-0EC2-8242-282B-F6E10DC8F6A1}"/>
               </a:ext>
             </a:extLst>
           </p:cNvPr>
@@ -1933,7 +1933,7 @@
           <p:cNvPr id="3" name="日期占位符 2">
             <a:extLst>
               <a:ext uri="{FF2B5EF4-FFF2-40B4-BE49-F238E27FC236}">
-                <a16:creationId xmlns:a16="http://schemas.microsoft.com/office/drawing/2014/main" id="{147CB7EF-C33B-4D51-F242-C3BD4D7B34B1}"/>
+                <a16:creationId xmlns:a16="http://schemas.microsoft.com/office/drawing/2014/main" id="{EF19BFC5-EDF3-ED8B-F2B7-00A625296EF9}"/>
               </a:ext>
             </a:extLst>
           </p:cNvPr>
@@ -1949,7 +1949,7 @@
           <a:bodyPr/>
           <a:lstStyle/>
           <a:p>
-            <a:fld id="{B3E44323-7E95-43BA-ACFD-443FB00C9773}" type="datetimeFigureOut">
+            <a:fld id="{62BF2C55-65AD-4773-8FA5-ADF0107D621E}" type="datetimeFigureOut">
               <a:rPr lang="zh-CN" altLang="en-US" smtClean="0"/>
               <a:t>2024/3/10</a:t>
             </a:fld>
@@ -1962,7 +1962,7 @@
           <p:cNvPr id="4" name="页脚占位符 3">
             <a:extLst>
               <a:ext uri="{FF2B5EF4-FFF2-40B4-BE49-F238E27FC236}">
-                <a16:creationId xmlns:a16="http://schemas.microsoft.com/office/drawing/2014/main" id="{A4CA8727-D661-E948-49A8-4157AB1ED9C8}"/>
+                <a16:creationId xmlns:a16="http://schemas.microsoft.com/office/drawing/2014/main" id="{E41B469B-A947-B665-66A2-8B5E6EC4394C}"/>
               </a:ext>
             </a:extLst>
           </p:cNvPr>
@@ -1987,7 +1987,7 @@
           <p:cNvPr id="5" name="灯片编号占位符 4">
             <a:extLst>
               <a:ext uri="{FF2B5EF4-FFF2-40B4-BE49-F238E27FC236}">
-                <a16:creationId xmlns:a16="http://schemas.microsoft.com/office/drawing/2014/main" id="{00610C99-6F1A-7E6A-D902-6BEDE65EE6C1}"/>
+                <a16:creationId xmlns:a16="http://schemas.microsoft.com/office/drawing/2014/main" id="{4909C062-08D8-C0F3-4ECB-FC71895F3F4D}"/>
               </a:ext>
             </a:extLst>
           </p:cNvPr>
@@ -2003,7 +2003,7 @@
           <a:bodyPr/>
           <a:lstStyle/>
           <a:p>
-            <a:fld id="{156874FE-B834-4AE6-891E-B8B144C858BA}" type="slidenum">
+            <a:fld id="{BE100580-3F82-4980-89FF-B07B5782A661}" type="slidenum">
               <a:rPr lang="zh-CN" altLang="en-US" smtClean="0"/>
               <a:t>‹#›</a:t>
             </a:fld>
@@ -2014,7 +2014,7 @@
     </p:spTree>
     <p:extLst>
       <p:ext uri="{BB962C8B-B14F-4D97-AF65-F5344CB8AC3E}">
-        <p14:creationId xmlns:p14="http://schemas.microsoft.com/office/powerpoint/2010/main" val="3517892759"/>
+        <p14:creationId xmlns:p14="http://schemas.microsoft.com/office/powerpoint/2010/main" val="2203452253"/>
       </p:ext>
     </p:extLst>
   </p:cSld>
@@ -2046,7 +2046,7 @@
           <p:cNvPr id="2" name="日期占位符 1">
             <a:extLst>
               <a:ext uri="{FF2B5EF4-FFF2-40B4-BE49-F238E27FC236}">
-                <a16:creationId xmlns:a16="http://schemas.microsoft.com/office/drawing/2014/main" id="{1F648903-D055-F718-4E01-371DD82EC10A}"/>
+                <a16:creationId xmlns:a16="http://schemas.microsoft.com/office/drawing/2014/main" id="{C8EB5BDA-84E6-A2EF-69FC-23BF32165240}"/>
               </a:ext>
             </a:extLst>
           </p:cNvPr>
@@ -2062,7 +2062,7 @@
           <a:bodyPr/>
           <a:lstStyle/>
           <a:p>
-            <a:fld id="{B3E44323-7E95-43BA-ACFD-443FB00C9773}" type="datetimeFigureOut">
+            <a:fld id="{62BF2C55-65AD-4773-8FA5-ADF0107D621E}" type="datetimeFigureOut">
               <a:rPr lang="zh-CN" altLang="en-US" smtClean="0"/>
               <a:t>2024/3/10</a:t>
             </a:fld>
@@ -2075,7 +2075,7 @@
           <p:cNvPr id="3" name="页脚占位符 2">
             <a:extLst>
               <a:ext uri="{FF2B5EF4-FFF2-40B4-BE49-F238E27FC236}">
-                <a16:creationId xmlns:a16="http://schemas.microsoft.com/office/drawing/2014/main" id="{D6F8409F-361F-3D94-9C8A-F7A9A0565154}"/>
+                <a16:creationId xmlns:a16="http://schemas.microsoft.com/office/drawing/2014/main" id="{9810757C-2C01-7073-34B5-E82FE661677E}"/>
               </a:ext>
             </a:extLst>
           </p:cNvPr>
@@ -2100,7 +2100,7 @@
           <p:cNvPr id="4" name="灯片编号占位符 3">
             <a:extLst>
               <a:ext uri="{FF2B5EF4-FFF2-40B4-BE49-F238E27FC236}">
-                <a16:creationId xmlns:a16="http://schemas.microsoft.com/office/drawing/2014/main" id="{59D87B98-01F6-E46B-669C-2CA99DB769A6}"/>
+                <a16:creationId xmlns:a16="http://schemas.microsoft.com/office/drawing/2014/main" id="{12E72A0D-A84D-7618-2DE6-49FE6FE91C7D}"/>
               </a:ext>
             </a:extLst>
           </p:cNvPr>
@@ -2116,7 +2116,7 @@
           <a:bodyPr/>
           <a:lstStyle/>
           <a:p>
-            <a:fld id="{156874FE-B834-4AE6-891E-B8B144C858BA}" type="slidenum">
+            <a:fld id="{BE100580-3F82-4980-89FF-B07B5782A661}" type="slidenum">
               <a:rPr lang="zh-CN" altLang="en-US" smtClean="0"/>
               <a:t>‹#›</a:t>
             </a:fld>
@@ -2127,7 +2127,7 @@
     </p:spTree>
     <p:extLst>
       <p:ext uri="{BB962C8B-B14F-4D97-AF65-F5344CB8AC3E}">
-        <p14:creationId xmlns:p14="http://schemas.microsoft.com/office/powerpoint/2010/main" val="725944621"/>
+        <p14:creationId xmlns:p14="http://schemas.microsoft.com/office/powerpoint/2010/main" val="1267085336"/>
       </p:ext>
     </p:extLst>
   </p:cSld>
@@ -2159,7 +2159,7 @@
           <p:cNvPr id="2" name="标题 1">
             <a:extLst>
               <a:ext uri="{FF2B5EF4-FFF2-40B4-BE49-F238E27FC236}">
-                <a16:creationId xmlns:a16="http://schemas.microsoft.com/office/drawing/2014/main" id="{AEA6095C-7F97-3911-0C0F-8D67F17EEADF}"/>
+                <a16:creationId xmlns:a16="http://schemas.microsoft.com/office/drawing/2014/main" id="{49728351-C188-D1B3-29FC-38B2FFB9F46E}"/>
               </a:ext>
             </a:extLst>
           </p:cNvPr>
@@ -2196,7 +2196,7 @@
           <p:cNvPr id="3" name="内容占位符 2">
             <a:extLst>
               <a:ext uri="{FF2B5EF4-FFF2-40B4-BE49-F238E27FC236}">
-                <a16:creationId xmlns:a16="http://schemas.microsoft.com/office/drawing/2014/main" id="{5B6F7B76-F824-937C-C233-93221C3C6003}"/>
+                <a16:creationId xmlns:a16="http://schemas.microsoft.com/office/drawing/2014/main" id="{8153F8A4-9793-B2C5-B398-9DDFE5A96EBF}"/>
               </a:ext>
             </a:extLst>
           </p:cNvPr>
@@ -2286,7 +2286,7 @@
           <p:cNvPr id="4" name="文本占位符 3">
             <a:extLst>
               <a:ext uri="{FF2B5EF4-FFF2-40B4-BE49-F238E27FC236}">
-                <a16:creationId xmlns:a16="http://schemas.microsoft.com/office/drawing/2014/main" id="{5DB00E92-13F1-001C-1D7A-60A033F9A0DC}"/>
+                <a16:creationId xmlns:a16="http://schemas.microsoft.com/office/drawing/2014/main" id="{8FCF1D9B-D99B-7707-7D6B-C58E9F683BCF}"/>
               </a:ext>
             </a:extLst>
           </p:cNvPr>
@@ -2357,7 +2357,7 @@
           <p:cNvPr id="5" name="日期占位符 4">
             <a:extLst>
               <a:ext uri="{FF2B5EF4-FFF2-40B4-BE49-F238E27FC236}">
-                <a16:creationId xmlns:a16="http://schemas.microsoft.com/office/drawing/2014/main" id="{69612916-EFB6-A4B0-D44D-EC7AA5F49435}"/>
+                <a16:creationId xmlns:a16="http://schemas.microsoft.com/office/drawing/2014/main" id="{06225E9B-4F89-3C66-D6FE-DD5B78EB0869}"/>
               </a:ext>
             </a:extLst>
           </p:cNvPr>
@@ -2373,7 +2373,7 @@
           <a:bodyPr/>
           <a:lstStyle/>
           <a:p>
-            <a:fld id="{B3E44323-7E95-43BA-ACFD-443FB00C9773}" type="datetimeFigureOut">
+            <a:fld id="{62BF2C55-65AD-4773-8FA5-ADF0107D621E}" type="datetimeFigureOut">
               <a:rPr lang="zh-CN" altLang="en-US" smtClean="0"/>
               <a:t>2024/3/10</a:t>
             </a:fld>
@@ -2386,7 +2386,7 @@
           <p:cNvPr id="6" name="页脚占位符 5">
             <a:extLst>
               <a:ext uri="{FF2B5EF4-FFF2-40B4-BE49-F238E27FC236}">
-                <a16:creationId xmlns:a16="http://schemas.microsoft.com/office/drawing/2014/main" id="{109BE763-C9D1-724E-AA91-2DA0759F4093}"/>
+                <a16:creationId xmlns:a16="http://schemas.microsoft.com/office/drawing/2014/main" id="{B93A61AC-833D-5C5C-D103-EC78FC858EB5}"/>
               </a:ext>
             </a:extLst>
           </p:cNvPr>
@@ -2411,7 +2411,7 @@
           <p:cNvPr id="7" name="灯片编号占位符 6">
             <a:extLst>
               <a:ext uri="{FF2B5EF4-FFF2-40B4-BE49-F238E27FC236}">
-                <a16:creationId xmlns:a16="http://schemas.microsoft.com/office/drawing/2014/main" id="{E0691CB0-7868-BB8D-1A8D-6A759D384E1E}"/>
+                <a16:creationId xmlns:a16="http://schemas.microsoft.com/office/drawing/2014/main" id="{60077B26-B93A-FBE5-7021-CD260B7DC83B}"/>
               </a:ext>
             </a:extLst>
           </p:cNvPr>
@@ -2427,7 +2427,7 @@
           <a:bodyPr/>
           <a:lstStyle/>
           <a:p>
-            <a:fld id="{156874FE-B834-4AE6-891E-B8B144C858BA}" type="slidenum">
+            <a:fld id="{BE100580-3F82-4980-89FF-B07B5782A661}" type="slidenum">
               <a:rPr lang="zh-CN" altLang="en-US" smtClean="0"/>
               <a:t>‹#›</a:t>
             </a:fld>
@@ -2438,7 +2438,7 @@
     </p:spTree>
     <p:extLst>
       <p:ext uri="{BB962C8B-B14F-4D97-AF65-F5344CB8AC3E}">
-        <p14:creationId xmlns:p14="http://schemas.microsoft.com/office/powerpoint/2010/main" val="3910264487"/>
+        <p14:creationId xmlns:p14="http://schemas.microsoft.com/office/powerpoint/2010/main" val="2401782262"/>
       </p:ext>
     </p:extLst>
   </p:cSld>
@@ -2470,7 +2470,7 @@
           <p:cNvPr id="2" name="标题 1">
             <a:extLst>
               <a:ext uri="{FF2B5EF4-FFF2-40B4-BE49-F238E27FC236}">
-                <a16:creationId xmlns:a16="http://schemas.microsoft.com/office/drawing/2014/main" id="{206AD825-0C0C-021B-F5B6-96B703EEF9AE}"/>
+                <a16:creationId xmlns:a16="http://schemas.microsoft.com/office/drawing/2014/main" id="{637470A4-266E-F4AB-4836-ED18E2D72324}"/>
               </a:ext>
             </a:extLst>
           </p:cNvPr>
@@ -2507,7 +2507,7 @@
           <p:cNvPr id="3" name="图片占位符 2">
             <a:extLst>
               <a:ext uri="{FF2B5EF4-FFF2-40B4-BE49-F238E27FC236}">
-                <a16:creationId xmlns:a16="http://schemas.microsoft.com/office/drawing/2014/main" id="{1AE46B81-0DE8-5169-6801-89679436ED65}"/>
+                <a16:creationId xmlns:a16="http://schemas.microsoft.com/office/drawing/2014/main" id="{6BEA25C4-40DC-5247-BDD7-FAB7C4F2113A}"/>
               </a:ext>
             </a:extLst>
           </p:cNvPr>
@@ -2574,7 +2574,7 @@
           <p:cNvPr id="4" name="文本占位符 3">
             <a:extLst>
               <a:ext uri="{FF2B5EF4-FFF2-40B4-BE49-F238E27FC236}">
-                <a16:creationId xmlns:a16="http://schemas.microsoft.com/office/drawing/2014/main" id="{44B5E94D-B565-693E-1D22-3DC040515EB5}"/>
+                <a16:creationId xmlns:a16="http://schemas.microsoft.com/office/drawing/2014/main" id="{49264958-FC62-9EF8-3765-F3C5350E95A7}"/>
               </a:ext>
             </a:extLst>
           </p:cNvPr>
@@ -2645,7 +2645,7 @@
           <p:cNvPr id="5" name="日期占位符 4">
             <a:extLst>
               <a:ext uri="{FF2B5EF4-FFF2-40B4-BE49-F238E27FC236}">
-                <a16:creationId xmlns:a16="http://schemas.microsoft.com/office/drawing/2014/main" id="{806A5F9A-BA62-9A52-4C70-942C8646A3FA}"/>
+                <a16:creationId xmlns:a16="http://schemas.microsoft.com/office/drawing/2014/main" id="{8B63FF28-9C8D-2C17-54F3-0CA7C3324E5B}"/>
               </a:ext>
             </a:extLst>
           </p:cNvPr>
@@ -2661,7 +2661,7 @@
           <a:bodyPr/>
           <a:lstStyle/>
           <a:p>
-            <a:fld id="{B3E44323-7E95-43BA-ACFD-443FB00C9773}" type="datetimeFigureOut">
+            <a:fld id="{62BF2C55-65AD-4773-8FA5-ADF0107D621E}" type="datetimeFigureOut">
               <a:rPr lang="zh-CN" altLang="en-US" smtClean="0"/>
               <a:t>2024/3/10</a:t>
             </a:fld>
@@ -2674,7 +2674,7 @@
           <p:cNvPr id="6" name="页脚占位符 5">
             <a:extLst>
               <a:ext uri="{FF2B5EF4-FFF2-40B4-BE49-F238E27FC236}">
-                <a16:creationId xmlns:a16="http://schemas.microsoft.com/office/drawing/2014/main" id="{C507785B-FEC8-2261-D0EC-CB56B6F7971D}"/>
+                <a16:creationId xmlns:a16="http://schemas.microsoft.com/office/drawing/2014/main" id="{56CCEA2B-0438-6579-E4D2-5E64EA544DC9}"/>
               </a:ext>
             </a:extLst>
           </p:cNvPr>
@@ -2699,7 +2699,7 @@
           <p:cNvPr id="7" name="灯片编号占位符 6">
             <a:extLst>
               <a:ext uri="{FF2B5EF4-FFF2-40B4-BE49-F238E27FC236}">
-                <a16:creationId xmlns:a16="http://schemas.microsoft.com/office/drawing/2014/main" id="{460B7698-C425-A6F9-1E8D-4B95A862888E}"/>
+                <a16:creationId xmlns:a16="http://schemas.microsoft.com/office/drawing/2014/main" id="{F0D1D9A6-5DBB-F43B-CBE7-756F8B274D9A}"/>
               </a:ext>
             </a:extLst>
           </p:cNvPr>
@@ -2715,7 +2715,7 @@
           <a:bodyPr/>
           <a:lstStyle/>
           <a:p>
-            <a:fld id="{156874FE-B834-4AE6-891E-B8B144C858BA}" type="slidenum">
+            <a:fld id="{BE100580-3F82-4980-89FF-B07B5782A661}" type="slidenum">
               <a:rPr lang="zh-CN" altLang="en-US" smtClean="0"/>
               <a:t>‹#›</a:t>
             </a:fld>
@@ -2726,7 +2726,7 @@
     </p:spTree>
     <p:extLst>
       <p:ext uri="{BB962C8B-B14F-4D97-AF65-F5344CB8AC3E}">
-        <p14:creationId xmlns:p14="http://schemas.microsoft.com/office/powerpoint/2010/main" val="537205112"/>
+        <p14:creationId xmlns:p14="http://schemas.microsoft.com/office/powerpoint/2010/main" val="742345106"/>
       </p:ext>
     </p:extLst>
   </p:cSld>
@@ -2763,7 +2763,7 @@
           <p:cNvPr id="2" name="标题占位符 1">
             <a:extLst>
               <a:ext uri="{FF2B5EF4-FFF2-40B4-BE49-F238E27FC236}">
-                <a16:creationId xmlns:a16="http://schemas.microsoft.com/office/drawing/2014/main" id="{7194FF46-836C-0BFC-0A62-12E81CC40C6B}"/>
+                <a16:creationId xmlns:a16="http://schemas.microsoft.com/office/drawing/2014/main" id="{4D4EC77C-C04B-7BF9-873C-AB958E403281}"/>
               </a:ext>
             </a:extLst>
           </p:cNvPr>
@@ -2801,7 +2801,7 @@
           <p:cNvPr id="3" name="文本占位符 2">
             <a:extLst>
               <a:ext uri="{FF2B5EF4-FFF2-40B4-BE49-F238E27FC236}">
-                <a16:creationId xmlns:a16="http://schemas.microsoft.com/office/drawing/2014/main" id="{CD661FED-F92B-BC0B-11CC-08F112996D28}"/>
+                <a16:creationId xmlns:a16="http://schemas.microsoft.com/office/drawing/2014/main" id="{8F5975DE-3695-0247-6F06-23A72F3BAFD7}"/>
               </a:ext>
             </a:extLst>
           </p:cNvPr>
@@ -2868,7 +2868,7 @@
           <p:cNvPr id="4" name="日期占位符 3">
             <a:extLst>
               <a:ext uri="{FF2B5EF4-FFF2-40B4-BE49-F238E27FC236}">
-                <a16:creationId xmlns:a16="http://schemas.microsoft.com/office/drawing/2014/main" id="{03376D4F-1E53-7A2D-33F1-1B226BD98E1A}"/>
+                <a16:creationId xmlns:a16="http://schemas.microsoft.com/office/drawing/2014/main" id="{C296CE94-F196-FADF-7EE1-314BDF0319D4}"/>
               </a:ext>
             </a:extLst>
           </p:cNvPr>
@@ -2902,7 +2902,7 @@
             </a:lvl1pPr>
           </a:lstStyle>
           <a:p>
-            <a:fld id="{B3E44323-7E95-43BA-ACFD-443FB00C9773}" type="datetimeFigureOut">
+            <a:fld id="{62BF2C55-65AD-4773-8FA5-ADF0107D621E}" type="datetimeFigureOut">
               <a:rPr lang="zh-CN" altLang="en-US" smtClean="0"/>
               <a:t>2024/3/10</a:t>
             </a:fld>
@@ -2915,7 +2915,7 @@
           <p:cNvPr id="5" name="页脚占位符 4">
             <a:extLst>
               <a:ext uri="{FF2B5EF4-FFF2-40B4-BE49-F238E27FC236}">
-                <a16:creationId xmlns:a16="http://schemas.microsoft.com/office/drawing/2014/main" id="{4DDEC0FE-55A0-C081-9905-AF2D94D3E4F9}"/>
+                <a16:creationId xmlns:a16="http://schemas.microsoft.com/office/drawing/2014/main" id="{2D420500-11B1-9F43-8B8A-57DB4291989C}"/>
               </a:ext>
             </a:extLst>
           </p:cNvPr>
@@ -2958,7 +2958,7 @@
           <p:cNvPr id="6" name="灯片编号占位符 5">
             <a:extLst>
               <a:ext uri="{FF2B5EF4-FFF2-40B4-BE49-F238E27FC236}">
-                <a16:creationId xmlns:a16="http://schemas.microsoft.com/office/drawing/2014/main" id="{57707ED6-6EBD-E01A-091C-51A8073A3F0A}"/>
+                <a16:creationId xmlns:a16="http://schemas.microsoft.com/office/drawing/2014/main" id="{5F16EA45-E1ED-6056-FA51-33783EE62680}"/>
               </a:ext>
             </a:extLst>
           </p:cNvPr>
@@ -2992,7 +2992,7 @@
             </a:lvl1pPr>
           </a:lstStyle>
           <a:p>
-            <a:fld id="{156874FE-B834-4AE6-891E-B8B144C858BA}" type="slidenum">
+            <a:fld id="{BE100580-3F82-4980-89FF-B07B5782A661}" type="slidenum">
               <a:rPr lang="zh-CN" altLang="en-US" smtClean="0"/>
               <a:t>‹#›</a:t>
             </a:fld>
@@ -3003,7 +3003,7 @@
     </p:spTree>
     <p:extLst>
       <p:ext uri="{BB962C8B-B14F-4D97-AF65-F5344CB8AC3E}">
-        <p14:creationId xmlns:p14="http://schemas.microsoft.com/office/powerpoint/2010/main" val="3503941689"/>
+        <p14:creationId xmlns:p14="http://schemas.microsoft.com/office/powerpoint/2010/main" val="1787572269"/>
       </p:ext>
     </p:extLst>
   </p:cSld>
@@ -3323,7 +3323,7 @@
       </p:grpSpPr>
       <p:pic>
         <p:nvPicPr>
-          <p:cNvPr id="571394" name="Picture 2" descr="557"/>
+          <p:cNvPr id="572418" name="Picture 2" descr="558"/>
           <p:cNvPicPr>
             <a:picLocks noChangeAspect="1" noChangeArrowheads="1"/>
           </p:cNvPicPr>
@@ -3345,7 +3345,7 @@
         <p:spPr bwMode="auto">
           <a:xfrm>
             <a:off x="1524000" y="0"/>
-            <a:ext cx="9144000" cy="5949950"/>
+            <a:ext cx="9144000" cy="6858000"/>
           </a:xfrm>
           <a:prstGeom prst="rect">
             <a:avLst/>
